--- a/bib_template.pptx
+++ b/bib_template.pptx
@@ -943,104 +943,6 @@
           </a:p>
         </p:txBody>
       </p:sp>
-      <p:pic>
-        <p:nvPicPr>
-          <p:cNvPr id="9" name="Picture 8"/>
-          <p:cNvPicPr>
-            <a:picLocks noChangeAspect="1"/>
-          </p:cNvPicPr>
-          <p:nvPr userDrawn="1"/>
-        </p:nvPicPr>
-        <p:blipFill>
-          <a:blip r:embed="rId2" cstate="print">
-            <a:extLst>
-              <a:ext uri="{28A0092B-C50C-407E-A947-70E740481C1C}">
-                <a14:useLocalDpi xmlns:a14="http://schemas.microsoft.com/office/drawing/2010/main" val="0"/>
-              </a:ext>
-            </a:extLst>
-          </a:blip>
-          <a:stretch>
-            <a:fillRect/>
-          </a:stretch>
-        </p:blipFill>
-        <p:spPr>
-          <a:xfrm>
-            <a:off x="575958" y="226071"/>
-            <a:ext cx="7405665" cy="3179152"/>
-          </a:xfrm>
-          <a:prstGeom prst="rect">
-            <a:avLst/>
-          </a:prstGeom>
-        </p:spPr>
-      </p:pic>
-      <p:sp>
-        <p:nvSpPr>
-          <p:cNvPr id="10" name="TextBox 9"/>
-          <p:cNvSpPr txBox="1"/>
-          <p:nvPr userDrawn="1"/>
-        </p:nvSpPr>
-        <p:spPr>
-          <a:xfrm>
-            <a:off x="575958" y="14031308"/>
-            <a:ext cx="11956606" cy="1446550"/>
-          </a:xfrm>
-          <a:prstGeom prst="rect">
-            <a:avLst/>
-          </a:prstGeom>
-          <a:noFill/>
-        </p:spPr>
-        <p:txBody>
-          <a:bodyPr wrap="none" rtlCol="0">
-            <a:spAutoFit/>
-          </a:bodyPr>
-          <a:lstStyle/>
-          <a:p>
-            <a:r>
-              <a:rPr lang="en-IN" sz="8800" b="1" dirty="0">
-                <a:latin typeface="Arial Rounded MT Bold" charset="0"/>
-                <a:ea typeface="Arial Rounded MT Bold" charset="0"/>
-                <a:cs typeface="Arial Rounded MT Bold" charset="0"/>
-              </a:rPr>
-              <a:t>Teakwood Forest Run</a:t>
-            </a:r>
-            <a:endParaRPr lang="en-IN" sz="8800" dirty="0">
-              <a:latin typeface="Arial Rounded MT Bold" charset="0"/>
-              <a:ea typeface="Arial Rounded MT Bold" charset="0"/>
-              <a:cs typeface="Arial Rounded MT Bold" charset="0"/>
-            </a:endParaRPr>
-          </a:p>
-        </p:txBody>
-      </p:sp>
-      <p:pic>
-        <p:nvPicPr>
-          <p:cNvPr id="11" name="Content Placeholder 11"/>
-          <p:cNvPicPr>
-            <a:picLocks noChangeAspect="1"/>
-          </p:cNvPicPr>
-          <p:nvPr userDrawn="1"/>
-        </p:nvPicPr>
-        <p:blipFill>
-          <a:blip r:embed="rId3">
-            <a:extLst>
-              <a:ext uri="{28A0092B-C50C-407E-A947-70E740481C1C}">
-                <a14:useLocalDpi xmlns:a14="http://schemas.microsoft.com/office/drawing/2010/main" val="0"/>
-              </a:ext>
-            </a:extLst>
-          </a:blip>
-          <a:stretch>
-            <a:fillRect/>
-          </a:stretch>
-        </p:blipFill>
-        <p:spPr>
-          <a:xfrm>
-            <a:off x="52736" y="9250132"/>
-            <a:ext cx="6070959" cy="4880118"/>
-          </a:xfrm>
-          <a:prstGeom prst="rect">
-            <a:avLst/>
-          </a:prstGeom>
-        </p:spPr>
-      </p:pic>
       <p:sp>
         <p:nvSpPr>
           <p:cNvPr id="12" name="Oval 11"/>
